--- a/FITC/webcomponents.pptx
+++ b/FITC/webcomponents.pptx
@@ -6870,11 +6870,7 @@
           <a:p>
             <a:r>
               <a:rPr lang="en-US" dirty="0" smtClean="0"/>
-              <a:t>Web </a:t>
-            </a:r>
-            <a:r>
-              <a:rPr lang="en-US" dirty="0" smtClean="0"/>
-              <a:t>Components</a:t>
+              <a:t>Web Components</a:t>
             </a:r>
             <a:br>
               <a:rPr lang="en-US" dirty="0" smtClean="0"/>
@@ -7066,6 +7062,13 @@
   <p:transition>
     <p:fade thruBlk="1"/>
   </p:transition>
+  <p:timing>
+    <p:tnLst>
+      <p:par>
+        <p:cTn id="1" dur="indefinite" restart="never" nodeType="tmRoot"/>
+      </p:par>
+    </p:tnLst>
+  </p:timing>
 </p:sld>
 </file>
 
@@ -7262,6 +7265,13 @@
   <p:transition>
     <p:fade thruBlk="1"/>
   </p:transition>
+  <p:timing>
+    <p:tnLst>
+      <p:par>
+        <p:cTn id="1" dur="indefinite" restart="never" nodeType="tmRoot"/>
+      </p:par>
+    </p:tnLst>
+  </p:timing>
 </p:sld>
 </file>
 
@@ -7362,6 +7372,13 @@
   <p:transition>
     <p:fade thruBlk="1"/>
   </p:transition>
+  <p:timing>
+    <p:tnLst>
+      <p:par>
+        <p:cTn id="1" dur="indefinite" restart="never" nodeType="tmRoot"/>
+      </p:par>
+    </p:tnLst>
+  </p:timing>
 </p:sld>
 </file>
 
@@ -8615,43 +8632,7 @@
               <a:rPr lang="en-US" altLang="en-US" dirty="0" smtClean="0">
                 <a:latin typeface="Eurostile"/>
               </a:rPr>
-              <a:t>Web Component support is actually here today.  </a:t>
-            </a:r>
-            <a:r>
-              <a:rPr lang="en-US" altLang="en-US" dirty="0" smtClean="0">
-                <a:latin typeface="Eurostile"/>
-              </a:rPr>
-              <a:t>Even </a:t>
-            </a:r>
-            <a:r>
-              <a:rPr lang="en-US" altLang="en-US" dirty="0" smtClean="0">
-                <a:latin typeface="Eurostile"/>
-              </a:rPr>
-              <a:t>though </a:t>
-            </a:r>
-            <a:r>
-              <a:rPr lang="en-US" altLang="en-US" dirty="0" smtClean="0">
-                <a:latin typeface="Eurostile"/>
-              </a:rPr>
-              <a:t>they are </a:t>
-            </a:r>
-            <a:r>
-              <a:rPr lang="en-US" altLang="en-US" dirty="0" smtClean="0">
-                <a:latin typeface="Eurostile"/>
-              </a:rPr>
-              <a:t>not fully </a:t>
-            </a:r>
-            <a:r>
-              <a:rPr lang="en-US" altLang="en-US" dirty="0" smtClean="0">
-                <a:latin typeface="Eurostile"/>
-              </a:rPr>
-              <a:t>supported in all browsers, Polymer </a:t>
-            </a:r>
-            <a:r>
-              <a:rPr lang="en-US" altLang="en-US" dirty="0" smtClean="0">
-                <a:latin typeface="Eurostile"/>
-              </a:rPr>
-              <a:t>and </a:t>
+              <a:t>Web Component support is actually here today.  Even though they are not fully supported in all browsers, Polymer and </a:t>
             </a:r>
             <a:r>
               <a:rPr lang="en-US" altLang="en-US" dirty="0" err="1" smtClean="0">
@@ -8663,13 +8644,7 @@
               <a:rPr lang="en-US" altLang="en-US" dirty="0" smtClean="0">
                 <a:latin typeface="Eurostile"/>
               </a:rPr>
-              <a:t> allow use in </a:t>
-            </a:r>
-            <a:r>
-              <a:rPr lang="en-US" altLang="en-US" dirty="0" smtClean="0">
-                <a:latin typeface="Eurostile"/>
-              </a:rPr>
-              <a:t>most </a:t>
+              <a:t> allow use in most </a:t>
             </a:r>
             <a:r>
               <a:rPr lang="en-US" altLang="en-US" b="1" i="1" dirty="0" smtClean="0">
@@ -8983,6 +8958,13 @@
   <p:transition>
     <p:fade thruBlk="1"/>
   </p:transition>
+  <p:timing>
+    <p:tnLst>
+      <p:par>
+        <p:cTn id="1" dur="indefinite" restart="never" nodeType="tmRoot"/>
+      </p:par>
+    </p:tnLst>
+  </p:timing>
 </p:sld>
 </file>
 
@@ -9020,15 +9002,7 @@
           <a:p>
             <a:r>
               <a:rPr lang="en-US" dirty="0" smtClean="0"/>
-              <a:t>Why </a:t>
-            </a:r>
-            <a:r>
-              <a:rPr lang="en-US" dirty="0" smtClean="0"/>
-              <a:t>are they important</a:t>
-            </a:r>
-            <a:r>
-              <a:rPr lang="en-US" dirty="0" smtClean="0"/>
-              <a:t>?</a:t>
+              <a:t>Why are they important?</a:t>
             </a:r>
             <a:endParaRPr lang="en-US" dirty="0"/>
           </a:p>
@@ -9424,15 +9398,7 @@
           <a:p>
             <a:r>
               <a:rPr lang="en-US" dirty="0" smtClean="0"/>
-              <a:t>Developing Internet applications for </a:t>
-            </a:r>
-            <a:r>
-              <a:rPr lang="en-US" dirty="0" smtClean="0"/>
-              <a:t>20 </a:t>
-            </a:r>
-            <a:r>
-              <a:rPr lang="en-US" dirty="0" smtClean="0"/>
-              <a:t>years</a:t>
+              <a:t>Developing Internet applications for 20 years</a:t>
             </a:r>
           </a:p>
           <a:p>
@@ -9500,15 +9466,7 @@
           <a:p>
             <a:r>
               <a:rPr lang="en-US" dirty="0" smtClean="0"/>
-              <a:t>How </a:t>
-            </a:r>
-            <a:r>
-              <a:rPr lang="en-US" dirty="0" smtClean="0"/>
-              <a:t>do they work</a:t>
-            </a:r>
-            <a:r>
-              <a:rPr lang="en-US" dirty="0" smtClean="0"/>
-              <a:t>?</a:t>
+              <a:t>How do they work?</a:t>
             </a:r>
             <a:endParaRPr lang="en-US" dirty="0"/>
           </a:p>
@@ -15260,6 +15218,24 @@
             <a:pPr marL="0" indent="0">
               <a:buNone/>
             </a:pPr>
+            <a:r>
+              <a:rPr lang="en-US" altLang="en-US" dirty="0">
+                <a:hlinkClick r:id="rId2"/>
+              </a:rPr>
+              <a:t>https://</a:t>
+            </a:r>
+            <a:r>
+              <a:rPr lang="en-US" altLang="en-US" dirty="0" smtClean="0">
+                <a:hlinkClick r:id="rId2"/>
+              </a:rPr>
+              <a:t>github.com/jefftapper/presentations</a:t>
+            </a:r>
+            <a:endParaRPr lang="en-US" altLang="en-US" dirty="0" smtClean="0"/>
+          </a:p>
+          <a:p>
+            <a:pPr marL="0" indent="0">
+              <a:buNone/>
+            </a:pPr>
             <a:endParaRPr lang="en-US" altLang="en-US" dirty="0"/>
           </a:p>
           <a:p>
@@ -15612,6 +15588,13 @@
   <p:transition>
     <p:fade thruBlk="1"/>
   </p:transition>
+  <p:timing>
+    <p:tnLst>
+      <p:par>
+        <p:cTn id="1" dur="indefinite" restart="never" nodeType="tmRoot"/>
+      </p:par>
+    </p:tnLst>
+  </p:timing>
 </p:sld>
 </file>
 
